--- a/sait.pptx
+++ b/sait.pptx
@@ -216,7 +216,7 @@
           <a:p>
             <a:fld id="{70EAF519-DC38-4D6C-B0C2-1F0DA87B17A3}" type="datetimeFigureOut">
               <a:rPr lang="ru-RU" smtClean="0"/>
-              <a:t>19.04.2021</a:t>
+              <a:t>20.04.2021</a:t>
             </a:fld>
             <a:endParaRPr lang="ru-RU"/>
           </a:p>
@@ -694,7 +694,7 @@
             <a:fld id="{50E94093-8B7F-4954-8BB9-4177907D57D1}" type="datetimeFigureOut">
               <a:rPr lang="ru-RU" smtClean="0"/>
               <a:pPr/>
-              <a:t>19.04.2021</a:t>
+              <a:t>20.04.2021</a:t>
             </a:fld>
             <a:endParaRPr lang="ru-RU"/>
           </a:p>
@@ -866,7 +866,7 @@
             <a:fld id="{50E94093-8B7F-4954-8BB9-4177907D57D1}" type="datetimeFigureOut">
               <a:rPr lang="ru-RU" smtClean="0"/>
               <a:pPr/>
-              <a:t>19.04.2021</a:t>
+              <a:t>20.04.2021</a:t>
             </a:fld>
             <a:endParaRPr lang="ru-RU"/>
           </a:p>
@@ -1048,7 +1048,7 @@
             <a:fld id="{50E94093-8B7F-4954-8BB9-4177907D57D1}" type="datetimeFigureOut">
               <a:rPr lang="ru-RU" smtClean="0"/>
               <a:pPr/>
-              <a:t>19.04.2021</a:t>
+              <a:t>20.04.2021</a:t>
             </a:fld>
             <a:endParaRPr lang="ru-RU"/>
           </a:p>
@@ -1220,7 +1220,7 @@
             <a:fld id="{50E94093-8B7F-4954-8BB9-4177907D57D1}" type="datetimeFigureOut">
               <a:rPr lang="ru-RU" smtClean="0"/>
               <a:pPr/>
-              <a:t>19.04.2021</a:t>
+              <a:t>20.04.2021</a:t>
             </a:fld>
             <a:endParaRPr lang="ru-RU"/>
           </a:p>
@@ -1468,7 +1468,7 @@
             <a:fld id="{50E94093-8B7F-4954-8BB9-4177907D57D1}" type="datetimeFigureOut">
               <a:rPr lang="ru-RU" smtClean="0"/>
               <a:pPr/>
-              <a:t>19.04.2021</a:t>
+              <a:t>20.04.2021</a:t>
             </a:fld>
             <a:endParaRPr lang="ru-RU"/>
           </a:p>
@@ -1702,7 +1702,7 @@
             <a:fld id="{50E94093-8B7F-4954-8BB9-4177907D57D1}" type="datetimeFigureOut">
               <a:rPr lang="ru-RU" smtClean="0"/>
               <a:pPr/>
-              <a:t>19.04.2021</a:t>
+              <a:t>20.04.2021</a:t>
             </a:fld>
             <a:endParaRPr lang="ru-RU"/>
           </a:p>
@@ -2071,7 +2071,7 @@
             <a:fld id="{50E94093-8B7F-4954-8BB9-4177907D57D1}" type="datetimeFigureOut">
               <a:rPr lang="ru-RU" smtClean="0"/>
               <a:pPr/>
-              <a:t>19.04.2021</a:t>
+              <a:t>20.04.2021</a:t>
             </a:fld>
             <a:endParaRPr lang="ru-RU"/>
           </a:p>
@@ -2191,7 +2191,7 @@
             <a:fld id="{50E94093-8B7F-4954-8BB9-4177907D57D1}" type="datetimeFigureOut">
               <a:rPr lang="ru-RU" smtClean="0"/>
               <a:pPr/>
-              <a:t>19.04.2021</a:t>
+              <a:t>20.04.2021</a:t>
             </a:fld>
             <a:endParaRPr lang="ru-RU"/>
           </a:p>
@@ -2288,7 +2288,7 @@
             <a:fld id="{50E94093-8B7F-4954-8BB9-4177907D57D1}" type="datetimeFigureOut">
               <a:rPr lang="ru-RU" smtClean="0"/>
               <a:pPr/>
-              <a:t>19.04.2021</a:t>
+              <a:t>20.04.2021</a:t>
             </a:fld>
             <a:endParaRPr lang="ru-RU"/>
           </a:p>
@@ -2567,7 +2567,7 @@
             <a:fld id="{50E94093-8B7F-4954-8BB9-4177907D57D1}" type="datetimeFigureOut">
               <a:rPr lang="ru-RU" smtClean="0"/>
               <a:pPr/>
-              <a:t>19.04.2021</a:t>
+              <a:t>20.04.2021</a:t>
             </a:fld>
             <a:endParaRPr lang="ru-RU"/>
           </a:p>
@@ -2822,7 +2822,7 @@
             <a:fld id="{50E94093-8B7F-4954-8BB9-4177907D57D1}" type="datetimeFigureOut">
               <a:rPr lang="ru-RU" smtClean="0"/>
               <a:pPr/>
-              <a:t>19.04.2021</a:t>
+              <a:t>20.04.2021</a:t>
             </a:fld>
             <a:endParaRPr lang="ru-RU"/>
           </a:p>
@@ -3046,7 +3046,7 @@
             <a:fld id="{50E94093-8B7F-4954-8BB9-4177907D57D1}" type="datetimeFigureOut">
               <a:rPr lang="ru-RU" smtClean="0"/>
               <a:pPr/>
-              <a:t>19.04.2021</a:t>
+              <a:t>20.04.2021</a:t>
             </a:fld>
             <a:endParaRPr lang="ru-RU"/>
           </a:p>
@@ -5248,14 +5248,16 @@
         </p:nvSpPr>
         <p:spPr>
           <a:xfrm>
-            <a:off x="822960" y="1794510"/>
-            <a:ext cx="4023360" cy="4377690"/>
+            <a:off x="514350" y="1514475"/>
+            <a:ext cx="5067300" cy="4562474"/>
           </a:xfrm>
           <a:prstGeom prst="rect">
             <a:avLst/>
           </a:prstGeom>
           <a:solidFill>
-            <a:schemeClr val="dk1">
+            <a:schemeClr val="tx1">
+              <a:lumMod val="95000"/>
+              <a:lumOff val="5000"/>
               <a:alpha val="50000"/>
             </a:schemeClr>
           </a:solidFill>
@@ -5283,57 +5285,92 @@
           <a:p>
             <a:pPr algn="ctr"/>
             <a:r>
-              <a:rPr lang="ru-RU" sz="2000" dirty="0" smtClean="0">
+              <a:rPr lang="ru-RU" sz="2200" dirty="0" smtClean="0">
                 <a:solidFill>
-                  <a:schemeClr val="bg1"/>
+                  <a:schemeClr val="bg1">
+                    <a:lumMod val="95000"/>
+                  </a:schemeClr>
                 </a:solidFill>
+                <a:latin typeface="Calibri Light" panose="020F0302020204030204" pitchFamily="34" charset="0"/>
+                <a:ea typeface="Segoe UI Black" panose="020B0A02040204020203" pitchFamily="34" charset="0"/>
+                <a:cs typeface="Calibri Light" panose="020F0302020204030204" pitchFamily="34" charset="0"/>
               </a:rPr>
               <a:t>На сайте также есть слайдер, который показывает 5 тематических картинок на каждой странице. Он был создан с помощью </a:t>
             </a:r>
             <a:r>
-              <a:rPr lang="en-US" sz="2000" dirty="0" smtClean="0">
+              <a:rPr lang="en-US" sz="2200" dirty="0" smtClean="0">
                 <a:solidFill>
-                  <a:schemeClr val="bg1"/>
+                  <a:schemeClr val="bg1">
+                    <a:lumMod val="95000"/>
+                  </a:schemeClr>
                 </a:solidFill>
+                <a:latin typeface="Calibri Light" panose="020F0302020204030204" pitchFamily="34" charset="0"/>
+                <a:ea typeface="Segoe UI Black" panose="020B0A02040204020203" pitchFamily="34" charset="0"/>
+                <a:cs typeface="Calibri Light" panose="020F0302020204030204" pitchFamily="34" charset="0"/>
               </a:rPr>
               <a:t>CSS</a:t>
             </a:r>
             <a:r>
-              <a:rPr lang="ru-RU" sz="2000" dirty="0">
+              <a:rPr lang="ru-RU" sz="2200" dirty="0">
                 <a:solidFill>
-                  <a:schemeClr val="bg1"/>
+                  <a:schemeClr val="bg1">
+                    <a:lumMod val="95000"/>
+                  </a:schemeClr>
                 </a:solidFill>
+                <a:latin typeface="Calibri Light" panose="020F0302020204030204" pitchFamily="34" charset="0"/>
+                <a:ea typeface="Segoe UI Black" panose="020B0A02040204020203" pitchFamily="34" charset="0"/>
+                <a:cs typeface="Calibri Light" panose="020F0302020204030204" pitchFamily="34" charset="0"/>
               </a:rPr>
               <a:t> </a:t>
             </a:r>
             <a:r>
-              <a:rPr lang="ru-RU" sz="2000" dirty="0" smtClean="0">
+              <a:rPr lang="ru-RU" sz="2200" dirty="0" smtClean="0">
                 <a:solidFill>
-                  <a:schemeClr val="bg1"/>
+                  <a:schemeClr val="bg1">
+                    <a:lumMod val="95000"/>
+                  </a:schemeClr>
                 </a:solidFill>
+                <a:latin typeface="Calibri Light" panose="020F0302020204030204" pitchFamily="34" charset="0"/>
+                <a:ea typeface="Segoe UI Black" panose="020B0A02040204020203" pitchFamily="34" charset="0"/>
+                <a:cs typeface="Calibri Light" panose="020F0302020204030204" pitchFamily="34" charset="0"/>
               </a:rPr>
               <a:t>и </a:t>
             </a:r>
             <a:r>
-              <a:rPr lang="en-US" sz="2000" dirty="0" smtClean="0">
+              <a:rPr lang="en-US" sz="2200" dirty="0" smtClean="0">
                 <a:solidFill>
-                  <a:schemeClr val="bg1"/>
+                  <a:schemeClr val="bg1">
+                    <a:lumMod val="95000"/>
+                  </a:schemeClr>
                 </a:solidFill>
+                <a:latin typeface="Calibri Light" panose="020F0302020204030204" pitchFamily="34" charset="0"/>
+                <a:ea typeface="Segoe UI Black" panose="020B0A02040204020203" pitchFamily="34" charset="0"/>
+                <a:cs typeface="Calibri Light" panose="020F0302020204030204" pitchFamily="34" charset="0"/>
               </a:rPr>
               <a:t>JavaScript</a:t>
             </a:r>
             <a:r>
-              <a:rPr lang="ru-RU" sz="2000" dirty="0" smtClean="0">
+              <a:rPr lang="ru-RU" sz="2200" dirty="0" smtClean="0">
                 <a:solidFill>
-                  <a:schemeClr val="bg1"/>
+                  <a:schemeClr val="bg1">
+                    <a:lumMod val="95000"/>
+                  </a:schemeClr>
                 </a:solidFill>
+                <a:latin typeface="Calibri Light" panose="020F0302020204030204" pitchFamily="34" charset="0"/>
+                <a:ea typeface="Segoe UI Black" panose="020B0A02040204020203" pitchFamily="34" charset="0"/>
+                <a:cs typeface="Calibri Light" panose="020F0302020204030204" pitchFamily="34" charset="0"/>
               </a:rPr>
               <a:t>. Функции данного языка программирования позволили установить задержку слайдера, функцию прокрутки, пролистывания на 1 слайд вправо и влево. Сделать элементы сайта блочными</a:t>
             </a:r>
-            <a:endParaRPr lang="ru-RU" sz="2000" dirty="0">
+            <a:endParaRPr lang="ru-RU" sz="2200" dirty="0">
               <a:solidFill>
-                <a:schemeClr val="bg1"/>
+                <a:schemeClr val="bg1">
+                  <a:lumMod val="95000"/>
+                </a:schemeClr>
               </a:solidFill>
+              <a:latin typeface="Calibri Light" panose="020F0302020204030204" pitchFamily="34" charset="0"/>
+              <a:ea typeface="Segoe UI Black" panose="020B0A02040204020203" pitchFamily="34" charset="0"/>
+              <a:cs typeface="Calibri Light" panose="020F0302020204030204" pitchFamily="34" charset="0"/>
             </a:endParaRPr>
           </a:p>
         </p:txBody>
@@ -5617,8 +5654,8 @@
         </p:nvSpPr>
         <p:spPr>
           <a:xfrm>
-            <a:off x="1004342" y="1678898"/>
-            <a:ext cx="10043410" cy="3028013"/>
+            <a:off x="975767" y="1690688"/>
+            <a:ext cx="10043410" cy="4233862"/>
           </a:xfrm>
           <a:prstGeom prst="roundRect">
             <a:avLst/>
@@ -5703,12 +5740,14 @@
         </p:nvSpPr>
         <p:spPr>
           <a:xfrm>
-            <a:off x="838200" y="1825626"/>
-            <a:ext cx="10524344" cy="3031188"/>
-          </a:xfrm>
-        </p:spPr>
-        <p:txBody>
-          <a:bodyPr/>
+            <a:off x="975766" y="1825626"/>
+            <a:ext cx="10043411" cy="4213224"/>
+          </a:xfrm>
+        </p:spPr>
+        <p:txBody>
+          <a:bodyPr>
+            <a:normAutofit/>
+          </a:bodyPr>
           <a:lstStyle/>
           <a:p>
             <a:pPr>
@@ -5760,9 +5799,26 @@
                 <a:ea typeface="Segoe UI Emoji" pitchFamily="34" charset="0"/>
                 <a:cs typeface="Segoe UI Light" pitchFamily="34" charset="0"/>
               </a:rPr>
-              <a:t>.</a:t>
-            </a:r>
-            <a:endParaRPr lang="ru-RU" sz="4000" dirty="0">
+              <a:t>. </a:t>
+            </a:r>
+            <a:r>
+              <a:rPr lang="ru-RU" sz="4000" dirty="0" smtClean="0">
+                <a:latin typeface="Segoe Print" pitchFamily="2" charset="0"/>
+                <a:ea typeface="Segoe UI Emoji" pitchFamily="34" charset="0"/>
+                <a:cs typeface="Segoe UI Light" pitchFamily="34" charset="0"/>
+              </a:rPr>
+              <a:t>Выложил сайт в сети </a:t>
+            </a:r>
+            <a:r>
+              <a:rPr lang="ru-RU" sz="4000" dirty="0" smtClean="0">
+                <a:latin typeface="Segoe Print" pitchFamily="2" charset="0"/>
+                <a:ea typeface="Segoe UI Emoji" pitchFamily="34" charset="0"/>
+                <a:cs typeface="Segoe UI Light" pitchFamily="34" charset="0"/>
+                <a:hlinkClick r:id="rId3" action="ppaction://hlinkfile"/>
+              </a:rPr>
+              <a:t>Интернет</a:t>
+            </a:r>
+            <a:endParaRPr lang="ru-RU" sz="4000" dirty="0" smtClean="0">
               <a:latin typeface="Segoe Print" pitchFamily="2" charset="0"/>
               <a:ea typeface="Segoe UI Emoji" pitchFamily="34" charset="0"/>
               <a:cs typeface="Segoe UI Light" pitchFamily="34" charset="0"/>

--- a/sait.pptx
+++ b/sait.pptx
@@ -5799,7 +5799,7 @@
                 <a:ea typeface="Segoe UI Emoji" pitchFamily="34" charset="0"/>
                 <a:cs typeface="Segoe UI Light" pitchFamily="34" charset="0"/>
               </a:rPr>
-              <a:t>. </a:t>
+              <a:t>. Выложил сайт в сети </a:t>
             </a:r>
             <a:r>
               <a:rPr lang="ru-RU" sz="4000" dirty="0" smtClean="0">
@@ -5807,7 +5807,7 @@
                 <a:ea typeface="Segoe UI Emoji" pitchFamily="34" charset="0"/>
                 <a:cs typeface="Segoe UI Light" pitchFamily="34" charset="0"/>
               </a:rPr>
-              <a:t>Выложил сайт в сети </a:t>
+              <a:t>в </a:t>
             </a:r>
             <a:r>
               <a:rPr lang="ru-RU" sz="4000" dirty="0" smtClean="0">
@@ -5816,7 +5816,7 @@
                 <a:cs typeface="Segoe UI Light" pitchFamily="34" charset="0"/>
                 <a:hlinkClick r:id="rId3" action="ppaction://hlinkfile"/>
               </a:rPr>
-              <a:t>Интернет</a:t>
+              <a:t>облачное хранилище</a:t>
             </a:r>
             <a:endParaRPr lang="ru-RU" sz="4000" dirty="0" smtClean="0">
               <a:latin typeface="Segoe Print" pitchFamily="2" charset="0"/>
